--- a/src/Projects/CommunicationApplication/GeneralDesign.pptx
+++ b/src/Projects/CommunicationApplication/GeneralDesign.pptx
@@ -104,6 +104,11 @@
       </a:defRPr>
     </a:lvl9pPr>
   </p:defaultTextStyle>
+  <p:extLst>
+    <p:ext uri="{EFAFB233-063F-42B5-8137-9DF3F51BA10A}">
+      <p15:sldGuideLst xmlns:p15="http://schemas.microsoft.com/office/powerpoint/2012/main"/>
+    </p:ext>
+  </p:extLst>
 </p:presentation>
 </file>
 
@@ -254,7 +259,7 @@
           <a:p>
             <a:fld id="{ACA42627-B6CF-427D-9662-203EB913D7C5}" type="datetimeFigureOut">
               <a:rPr lang="en-US" smtClean="0"/>
-              <a:t>3/18/2024</a:t>
+              <a:t>4/1/2024</a:t>
             </a:fld>
             <a:endParaRPr lang="en-US"/>
           </a:p>
@@ -452,7 +457,7 @@
           <a:p>
             <a:fld id="{ACA42627-B6CF-427D-9662-203EB913D7C5}" type="datetimeFigureOut">
               <a:rPr lang="en-US" smtClean="0"/>
-              <a:t>3/18/2024</a:t>
+              <a:t>4/1/2024</a:t>
             </a:fld>
             <a:endParaRPr lang="en-US"/>
           </a:p>
@@ -660,7 +665,7 @@
           <a:p>
             <a:fld id="{ACA42627-B6CF-427D-9662-203EB913D7C5}" type="datetimeFigureOut">
               <a:rPr lang="en-US" smtClean="0"/>
-              <a:t>3/18/2024</a:t>
+              <a:t>4/1/2024</a:t>
             </a:fld>
             <a:endParaRPr lang="en-US"/>
           </a:p>
@@ -858,7 +863,7 @@
           <a:p>
             <a:fld id="{ACA42627-B6CF-427D-9662-203EB913D7C5}" type="datetimeFigureOut">
               <a:rPr lang="en-US" smtClean="0"/>
-              <a:t>3/18/2024</a:t>
+              <a:t>4/1/2024</a:t>
             </a:fld>
             <a:endParaRPr lang="en-US"/>
           </a:p>
@@ -1133,7 +1138,7 @@
           <a:p>
             <a:fld id="{ACA42627-B6CF-427D-9662-203EB913D7C5}" type="datetimeFigureOut">
               <a:rPr lang="en-US" smtClean="0"/>
-              <a:t>3/18/2024</a:t>
+              <a:t>4/1/2024</a:t>
             </a:fld>
             <a:endParaRPr lang="en-US"/>
           </a:p>
@@ -1398,7 +1403,7 @@
           <a:p>
             <a:fld id="{ACA42627-B6CF-427D-9662-203EB913D7C5}" type="datetimeFigureOut">
               <a:rPr lang="en-US" smtClean="0"/>
-              <a:t>3/18/2024</a:t>
+              <a:t>4/1/2024</a:t>
             </a:fld>
             <a:endParaRPr lang="en-US"/>
           </a:p>
@@ -1810,7 +1815,7 @@
           <a:p>
             <a:fld id="{ACA42627-B6CF-427D-9662-203EB913D7C5}" type="datetimeFigureOut">
               <a:rPr lang="en-US" smtClean="0"/>
-              <a:t>3/18/2024</a:t>
+              <a:t>4/1/2024</a:t>
             </a:fld>
             <a:endParaRPr lang="en-US"/>
           </a:p>
@@ -1951,7 +1956,7 @@
           <a:p>
             <a:fld id="{ACA42627-B6CF-427D-9662-203EB913D7C5}" type="datetimeFigureOut">
               <a:rPr lang="en-US" smtClean="0"/>
-              <a:t>3/18/2024</a:t>
+              <a:t>4/1/2024</a:t>
             </a:fld>
             <a:endParaRPr lang="en-US"/>
           </a:p>
@@ -2064,7 +2069,7 @@
           <a:p>
             <a:fld id="{ACA42627-B6CF-427D-9662-203EB913D7C5}" type="datetimeFigureOut">
               <a:rPr lang="en-US" smtClean="0"/>
-              <a:t>3/18/2024</a:t>
+              <a:t>4/1/2024</a:t>
             </a:fld>
             <a:endParaRPr lang="en-US"/>
           </a:p>
@@ -2375,7 +2380,7 @@
           <a:p>
             <a:fld id="{ACA42627-B6CF-427D-9662-203EB913D7C5}" type="datetimeFigureOut">
               <a:rPr lang="en-US" smtClean="0"/>
-              <a:t>3/18/2024</a:t>
+              <a:t>4/1/2024</a:t>
             </a:fld>
             <a:endParaRPr lang="en-US"/>
           </a:p>
@@ -2663,7 +2668,7 @@
           <a:p>
             <a:fld id="{ACA42627-B6CF-427D-9662-203EB913D7C5}" type="datetimeFigureOut">
               <a:rPr lang="en-US" smtClean="0"/>
-              <a:t>3/18/2024</a:t>
+              <a:t>4/1/2024</a:t>
             </a:fld>
             <a:endParaRPr lang="en-US"/>
           </a:p>
@@ -2904,7 +2909,7 @@
           <a:p>
             <a:fld id="{ACA42627-B6CF-427D-9662-203EB913D7C5}" type="datetimeFigureOut">
               <a:rPr lang="en-US" smtClean="0"/>
-              <a:t>3/18/2024</a:t>
+              <a:t>4/1/2024</a:t>
             </a:fld>
             <a:endParaRPr lang="en-US"/>
           </a:p>
@@ -3779,8 +3784,8 @@
         </p:nvSpPr>
         <p:spPr>
           <a:xfrm>
-            <a:off x="6130956" y="2961313"/>
-            <a:ext cx="1795244" cy="1098958"/>
+            <a:off x="6130956" y="2961312"/>
+            <a:ext cx="1795244" cy="1483167"/>
           </a:xfrm>
           <a:prstGeom prst="rect">
             <a:avLst/>
@@ -3809,7 +3814,7 @@
             <a:pPr algn="ctr"/>
             <a:r>
               <a:rPr lang="en-US" dirty="0"/>
-              <a:t>Manager</a:t>
+              <a:t>Meeting Manager Server</a:t>
             </a:r>
           </a:p>
         </p:txBody>
@@ -3857,10 +3862,16 @@
           <a:p>
             <a:pPr algn="ctr"/>
             <a:r>
-              <a:rPr lang="en-US" dirty="0" err="1"/>
-              <a:t>CommunicationServer</a:t>
-            </a:r>
-            <a:endParaRPr lang="en-US" dirty="0"/>
+              <a:rPr lang="en-US" dirty="0"/>
+              <a:t>Meeting</a:t>
+            </a:r>
+          </a:p>
+          <a:p>
+            <a:pPr algn="ctr"/>
+            <a:r>
+              <a:rPr lang="en-US" dirty="0"/>
+              <a:t>Communication Server</a:t>
+            </a:r>
           </a:p>
         </p:txBody>
       </p:sp>
@@ -3907,10 +3918,16 @@
           <a:p>
             <a:pPr algn="ctr"/>
             <a:r>
-              <a:rPr lang="en-US" dirty="0" err="1"/>
-              <a:t>CommunicationServer</a:t>
-            </a:r>
-            <a:endParaRPr lang="en-US" dirty="0"/>
+              <a:rPr lang="en-US" dirty="0"/>
+              <a:t>Meeting</a:t>
+            </a:r>
+          </a:p>
+          <a:p>
+            <a:pPr algn="ctr"/>
+            <a:r>
+              <a:rPr lang="en-US" dirty="0"/>
+              <a:t>Communication Server</a:t>
+            </a:r>
           </a:p>
         </p:txBody>
       </p:sp>
@@ -3957,10 +3974,16 @@
           <a:p>
             <a:pPr algn="ctr"/>
             <a:r>
-              <a:rPr lang="en-US" dirty="0" err="1"/>
-              <a:t>CommunicationServer</a:t>
-            </a:r>
-            <a:endParaRPr lang="en-US" dirty="0"/>
+              <a:rPr lang="en-US" dirty="0"/>
+              <a:t>Meeting</a:t>
+            </a:r>
+          </a:p>
+          <a:p>
+            <a:pPr algn="ctr"/>
+            <a:r>
+              <a:rPr lang="en-US" dirty="0"/>
+              <a:t>Communication Server</a:t>
+            </a:r>
           </a:p>
         </p:txBody>
       </p:sp>
@@ -4013,6 +4036,7 @@
             </a:extLst>
           </p:cNvPr>
           <p:cNvCxnSpPr>
+            <a:cxnSpLocks/>
             <a:endCxn id="15" idx="1"/>
           </p:cNvCxnSpPr>
           <p:nvPr/>
@@ -4020,7 +4044,7 @@
         <p:spPr>
           <a:xfrm>
             <a:off x="2401590" y="1107347"/>
-            <a:ext cx="3729366" cy="2403445"/>
+            <a:ext cx="3729366" cy="2595549"/>
           </a:xfrm>
           <a:prstGeom prst="straightConnector1">
             <a:avLst/>
@@ -4177,13 +4201,15 @@
               </a:ext>
             </a:extLst>
           </p:cNvPr>
-          <p:cNvCxnSpPr/>
+          <p:cNvCxnSpPr>
+            <a:cxnSpLocks/>
+          </p:cNvCxnSpPr>
           <p:nvPr/>
         </p:nvCxnSpPr>
         <p:spPr>
           <a:xfrm flipV="1">
-            <a:off x="7273255" y="1523999"/>
-            <a:ext cx="1057927" cy="1407368"/>
+            <a:off x="7256477" y="1523999"/>
+            <a:ext cx="1074705" cy="1407367"/>
           </a:xfrm>
           <a:prstGeom prst="straightConnector1">
             <a:avLst/>
@@ -4256,14 +4282,15 @@
             </a:extLst>
           </p:cNvPr>
           <p:cNvCxnSpPr>
+            <a:cxnSpLocks/>
             <a:stCxn id="15" idx="3"/>
           </p:cNvCxnSpPr>
           <p:nvPr/>
         </p:nvCxnSpPr>
         <p:spPr>
           <a:xfrm>
-            <a:off x="7926200" y="3510792"/>
-            <a:ext cx="537979" cy="1229159"/>
+            <a:off x="7926200" y="3702896"/>
+            <a:ext cx="537979" cy="1037055"/>
           </a:xfrm>
           <a:prstGeom prst="straightConnector1">
             <a:avLst/>

--- a/src/Projects/CommunicationApplication/GeneralDesign.pptx
+++ b/src/Projects/CommunicationApplication/GeneralDesign.pptx
@@ -259,7 +259,7 @@
           <a:p>
             <a:fld id="{ACA42627-B6CF-427D-9662-203EB913D7C5}" type="datetimeFigureOut">
               <a:rPr lang="en-US" smtClean="0"/>
-              <a:t>4/1/2024</a:t>
+              <a:t>4/3/2024</a:t>
             </a:fld>
             <a:endParaRPr lang="en-US"/>
           </a:p>
@@ -457,7 +457,7 @@
           <a:p>
             <a:fld id="{ACA42627-B6CF-427D-9662-203EB913D7C5}" type="datetimeFigureOut">
               <a:rPr lang="en-US" smtClean="0"/>
-              <a:t>4/1/2024</a:t>
+              <a:t>4/3/2024</a:t>
             </a:fld>
             <a:endParaRPr lang="en-US"/>
           </a:p>
@@ -665,7 +665,7 @@
           <a:p>
             <a:fld id="{ACA42627-B6CF-427D-9662-203EB913D7C5}" type="datetimeFigureOut">
               <a:rPr lang="en-US" smtClean="0"/>
-              <a:t>4/1/2024</a:t>
+              <a:t>4/3/2024</a:t>
             </a:fld>
             <a:endParaRPr lang="en-US"/>
           </a:p>
@@ -863,7 +863,7 @@
           <a:p>
             <a:fld id="{ACA42627-B6CF-427D-9662-203EB913D7C5}" type="datetimeFigureOut">
               <a:rPr lang="en-US" smtClean="0"/>
-              <a:t>4/1/2024</a:t>
+              <a:t>4/3/2024</a:t>
             </a:fld>
             <a:endParaRPr lang="en-US"/>
           </a:p>
@@ -1138,7 +1138,7 @@
           <a:p>
             <a:fld id="{ACA42627-B6CF-427D-9662-203EB913D7C5}" type="datetimeFigureOut">
               <a:rPr lang="en-US" smtClean="0"/>
-              <a:t>4/1/2024</a:t>
+              <a:t>4/3/2024</a:t>
             </a:fld>
             <a:endParaRPr lang="en-US"/>
           </a:p>
@@ -1403,7 +1403,7 @@
           <a:p>
             <a:fld id="{ACA42627-B6CF-427D-9662-203EB913D7C5}" type="datetimeFigureOut">
               <a:rPr lang="en-US" smtClean="0"/>
-              <a:t>4/1/2024</a:t>
+              <a:t>4/3/2024</a:t>
             </a:fld>
             <a:endParaRPr lang="en-US"/>
           </a:p>
@@ -1815,7 +1815,7 @@
           <a:p>
             <a:fld id="{ACA42627-B6CF-427D-9662-203EB913D7C5}" type="datetimeFigureOut">
               <a:rPr lang="en-US" smtClean="0"/>
-              <a:t>4/1/2024</a:t>
+              <a:t>4/3/2024</a:t>
             </a:fld>
             <a:endParaRPr lang="en-US"/>
           </a:p>
@@ -1956,7 +1956,7 @@
           <a:p>
             <a:fld id="{ACA42627-B6CF-427D-9662-203EB913D7C5}" type="datetimeFigureOut">
               <a:rPr lang="en-US" smtClean="0"/>
-              <a:t>4/1/2024</a:t>
+              <a:t>4/3/2024</a:t>
             </a:fld>
             <a:endParaRPr lang="en-US"/>
           </a:p>
@@ -2069,7 +2069,7 @@
           <a:p>
             <a:fld id="{ACA42627-B6CF-427D-9662-203EB913D7C5}" type="datetimeFigureOut">
               <a:rPr lang="en-US" smtClean="0"/>
-              <a:t>4/1/2024</a:t>
+              <a:t>4/3/2024</a:t>
             </a:fld>
             <a:endParaRPr lang="en-US"/>
           </a:p>
@@ -2380,7 +2380,7 @@
           <a:p>
             <a:fld id="{ACA42627-B6CF-427D-9662-203EB913D7C5}" type="datetimeFigureOut">
               <a:rPr lang="en-US" smtClean="0"/>
-              <a:t>4/1/2024</a:t>
+              <a:t>4/3/2024</a:t>
             </a:fld>
             <a:endParaRPr lang="en-US"/>
           </a:p>
@@ -2668,7 +2668,7 @@
           <a:p>
             <a:fld id="{ACA42627-B6CF-427D-9662-203EB913D7C5}" type="datetimeFigureOut">
               <a:rPr lang="en-US" smtClean="0"/>
-              <a:t>4/1/2024</a:t>
+              <a:t>4/3/2024</a:t>
             </a:fld>
             <a:endParaRPr lang="en-US"/>
           </a:p>
@@ -2909,7 +2909,7 @@
           <a:p>
             <a:fld id="{ACA42627-B6CF-427D-9662-203EB913D7C5}" type="datetimeFigureOut">
               <a:rPr lang="en-US" smtClean="0"/>
-              <a:t>4/1/2024</a:t>
+              <a:t>4/3/2024</a:t>
             </a:fld>
             <a:endParaRPr lang="en-US"/>
           </a:p>
@@ -3996,13 +3996,15 @@
               </a:ext>
             </a:extLst>
           </p:cNvPr>
-          <p:cNvCxnSpPr/>
+          <p:cNvCxnSpPr>
+            <a:cxnSpLocks/>
+          </p:cNvCxnSpPr>
           <p:nvPr/>
         </p:nvCxnSpPr>
         <p:spPr>
           <a:xfrm>
             <a:off x="4952756" y="1226026"/>
-            <a:ext cx="1380932" cy="1709073"/>
+            <a:ext cx="1448044" cy="1735286"/>
           </a:xfrm>
           <a:prstGeom prst="straightConnector1">
             <a:avLst/>
@@ -4208,8 +4210,8 @@
         </p:nvCxnSpPr>
         <p:spPr>
           <a:xfrm flipV="1">
-            <a:off x="7256477" y="1523999"/>
-            <a:ext cx="1074705" cy="1407367"/>
+            <a:off x="7306811" y="1523999"/>
+            <a:ext cx="1024371" cy="1411100"/>
           </a:xfrm>
           <a:prstGeom prst="straightConnector1">
             <a:avLst/>

--- a/src/Projects/CommunicationApplication/GeneralDesign.pptx
+++ b/src/Projects/CommunicationApplication/GeneralDesign.pptx
@@ -259,7 +259,7 @@
           <a:p>
             <a:fld id="{ACA42627-B6CF-427D-9662-203EB913D7C5}" type="datetimeFigureOut">
               <a:rPr lang="en-US" smtClean="0"/>
-              <a:t>4/3/2024</a:t>
+              <a:t>4/21/2024</a:t>
             </a:fld>
             <a:endParaRPr lang="en-US"/>
           </a:p>
@@ -457,7 +457,7 @@
           <a:p>
             <a:fld id="{ACA42627-B6CF-427D-9662-203EB913D7C5}" type="datetimeFigureOut">
               <a:rPr lang="en-US" smtClean="0"/>
-              <a:t>4/3/2024</a:t>
+              <a:t>4/21/2024</a:t>
             </a:fld>
             <a:endParaRPr lang="en-US"/>
           </a:p>
@@ -665,7 +665,7 @@
           <a:p>
             <a:fld id="{ACA42627-B6CF-427D-9662-203EB913D7C5}" type="datetimeFigureOut">
               <a:rPr lang="en-US" smtClean="0"/>
-              <a:t>4/3/2024</a:t>
+              <a:t>4/21/2024</a:t>
             </a:fld>
             <a:endParaRPr lang="en-US"/>
           </a:p>
@@ -863,7 +863,7 @@
           <a:p>
             <a:fld id="{ACA42627-B6CF-427D-9662-203EB913D7C5}" type="datetimeFigureOut">
               <a:rPr lang="en-US" smtClean="0"/>
-              <a:t>4/3/2024</a:t>
+              <a:t>4/21/2024</a:t>
             </a:fld>
             <a:endParaRPr lang="en-US"/>
           </a:p>
@@ -1138,7 +1138,7 @@
           <a:p>
             <a:fld id="{ACA42627-B6CF-427D-9662-203EB913D7C5}" type="datetimeFigureOut">
               <a:rPr lang="en-US" smtClean="0"/>
-              <a:t>4/3/2024</a:t>
+              <a:t>4/21/2024</a:t>
             </a:fld>
             <a:endParaRPr lang="en-US"/>
           </a:p>
@@ -1403,7 +1403,7 @@
           <a:p>
             <a:fld id="{ACA42627-B6CF-427D-9662-203EB913D7C5}" type="datetimeFigureOut">
               <a:rPr lang="en-US" smtClean="0"/>
-              <a:t>4/3/2024</a:t>
+              <a:t>4/21/2024</a:t>
             </a:fld>
             <a:endParaRPr lang="en-US"/>
           </a:p>
@@ -1815,7 +1815,7 @@
           <a:p>
             <a:fld id="{ACA42627-B6CF-427D-9662-203EB913D7C5}" type="datetimeFigureOut">
               <a:rPr lang="en-US" smtClean="0"/>
-              <a:t>4/3/2024</a:t>
+              <a:t>4/21/2024</a:t>
             </a:fld>
             <a:endParaRPr lang="en-US"/>
           </a:p>
@@ -1956,7 +1956,7 @@
           <a:p>
             <a:fld id="{ACA42627-B6CF-427D-9662-203EB913D7C5}" type="datetimeFigureOut">
               <a:rPr lang="en-US" smtClean="0"/>
-              <a:t>4/3/2024</a:t>
+              <a:t>4/21/2024</a:t>
             </a:fld>
             <a:endParaRPr lang="en-US"/>
           </a:p>
@@ -2069,7 +2069,7 @@
           <a:p>
             <a:fld id="{ACA42627-B6CF-427D-9662-203EB913D7C5}" type="datetimeFigureOut">
               <a:rPr lang="en-US" smtClean="0"/>
-              <a:t>4/3/2024</a:t>
+              <a:t>4/21/2024</a:t>
             </a:fld>
             <a:endParaRPr lang="en-US"/>
           </a:p>
@@ -2380,7 +2380,7 @@
           <a:p>
             <a:fld id="{ACA42627-B6CF-427D-9662-203EB913D7C5}" type="datetimeFigureOut">
               <a:rPr lang="en-US" smtClean="0"/>
-              <a:t>4/3/2024</a:t>
+              <a:t>4/21/2024</a:t>
             </a:fld>
             <a:endParaRPr lang="en-US"/>
           </a:p>
@@ -2668,7 +2668,7 @@
           <a:p>
             <a:fld id="{ACA42627-B6CF-427D-9662-203EB913D7C5}" type="datetimeFigureOut">
               <a:rPr lang="en-US" smtClean="0"/>
-              <a:t>4/3/2024</a:t>
+              <a:t>4/21/2024</a:t>
             </a:fld>
             <a:endParaRPr lang="en-US"/>
           </a:p>
@@ -2909,7 +2909,7 @@
           <a:p>
             <a:fld id="{ACA42627-B6CF-427D-9662-203EB913D7C5}" type="datetimeFigureOut">
               <a:rPr lang="en-US" smtClean="0"/>
-              <a:t>4/3/2024</a:t>
+              <a:t>4/21/2024</a:t>
             </a:fld>
             <a:endParaRPr lang="en-US"/>
           </a:p>
@@ -3464,130 +3464,109 @@
           </a:p>
         </p:txBody>
       </p:sp>
-      <p:grpSp>
-        <p:nvGrpSpPr>
-          <p:cNvPr id="10" name="Group 9">
-            <a:extLst>
-              <a:ext uri="{FF2B5EF4-FFF2-40B4-BE49-F238E27FC236}">
-                <a16:creationId xmlns:a16="http://schemas.microsoft.com/office/drawing/2014/main" id="{4E972C9C-26DF-9F69-21BF-EA9A973C8D2B}"/>
-              </a:ext>
-            </a:extLst>
-          </p:cNvPr>
-          <p:cNvGrpSpPr/>
+      <p:sp>
+        <p:nvSpPr>
+          <p:cNvPr id="6" name="Rectangle 5">
+            <a:extLst>
+              <a:ext uri="{FF2B5EF4-FFF2-40B4-BE49-F238E27FC236}">
+                <a16:creationId xmlns:a16="http://schemas.microsoft.com/office/drawing/2014/main" id="{3A47D0AC-B468-B5A5-BB9C-36BD920BB294}"/>
+              </a:ext>
+            </a:extLst>
+          </p:cNvPr>
+          <p:cNvSpPr/>
           <p:nvPr/>
-        </p:nvGrpSpPr>
-        <p:grpSpPr>
+        </p:nvSpPr>
+        <p:spPr>
           <a:xfrm>
-            <a:off x="251927" y="2799185"/>
-            <a:ext cx="3163077" cy="3123444"/>
-            <a:chOff x="270588" y="2332653"/>
-            <a:chExt cx="3163077" cy="3881535"/>
+            <a:off x="818727" y="2958496"/>
+            <a:ext cx="1987420" cy="897526"/>
           </a:xfrm>
-        </p:grpSpPr>
-        <p:sp>
-          <p:nvSpPr>
-            <p:cNvPr id="6" name="Rectangle 5">
-              <a:extLst>
-                <a:ext uri="{FF2B5EF4-FFF2-40B4-BE49-F238E27FC236}">
-                  <a16:creationId xmlns:a16="http://schemas.microsoft.com/office/drawing/2014/main" id="{3A47D0AC-B468-B5A5-BB9C-36BD920BB294}"/>
-                </a:ext>
-              </a:extLst>
-            </p:cNvPr>
-            <p:cNvSpPr/>
-            <p:nvPr/>
-          </p:nvSpPr>
-          <p:spPr>
-            <a:xfrm>
-              <a:off x="783771" y="2752531"/>
-              <a:ext cx="1987420" cy="961053"/>
-            </a:xfrm>
-            <a:prstGeom prst="rect">
-              <a:avLst/>
-            </a:prstGeom>
-          </p:spPr>
-          <p:style>
-            <a:lnRef idx="2">
-              <a:schemeClr val="accent1">
-                <a:shade val="15000"/>
-              </a:schemeClr>
-            </a:lnRef>
-            <a:fillRef idx="1">
-              <a:schemeClr val="accent1"/>
-            </a:fillRef>
-            <a:effectRef idx="0">
-              <a:schemeClr val="accent1"/>
-            </a:effectRef>
-            <a:fontRef idx="minor">
-              <a:schemeClr val="lt1"/>
-            </a:fontRef>
-          </p:style>
-          <p:txBody>
-            <a:bodyPr rtlCol="0" anchor="ctr"/>
-            <a:lstStyle/>
-            <a:p>
-              <a:pPr algn="ctr"/>
-              <a:r>
-                <a:rPr lang="en-US" dirty="0"/>
-                <a:t>Desktop Client</a:t>
-              </a:r>
-            </a:p>
-            <a:p>
-              <a:pPr algn="ctr"/>
-              <a:r>
-                <a:rPr lang="en-US" dirty="0"/>
-                <a:t>(Java FX)</a:t>
-              </a:r>
-            </a:p>
-          </p:txBody>
-        </p:sp>
-        <p:sp>
-          <p:nvSpPr>
-            <p:cNvPr id="8" name="Rectangle 7">
-              <a:extLst>
-                <a:ext uri="{FF2B5EF4-FFF2-40B4-BE49-F238E27FC236}">
-                  <a16:creationId xmlns:a16="http://schemas.microsoft.com/office/drawing/2014/main" id="{B6D54DEB-796A-994C-093E-9221ABFA0BB7}"/>
-                </a:ext>
-              </a:extLst>
-            </p:cNvPr>
-            <p:cNvSpPr/>
-            <p:nvPr/>
-          </p:nvSpPr>
-          <p:spPr>
-            <a:xfrm>
-              <a:off x="270588" y="2332653"/>
-              <a:ext cx="3163077" cy="3881535"/>
-            </a:xfrm>
-            <a:prstGeom prst="rect">
-              <a:avLst/>
-            </a:prstGeom>
-            <a:noFill/>
-          </p:spPr>
-          <p:style>
-            <a:lnRef idx="2">
-              <a:schemeClr val="accent1">
-                <a:shade val="15000"/>
-              </a:schemeClr>
-            </a:lnRef>
-            <a:fillRef idx="1">
-              <a:schemeClr val="accent1"/>
-            </a:fillRef>
-            <a:effectRef idx="0">
-              <a:schemeClr val="accent1"/>
-            </a:effectRef>
-            <a:fontRef idx="minor">
-              <a:schemeClr val="lt1"/>
-            </a:fontRef>
-          </p:style>
-          <p:txBody>
-            <a:bodyPr rtlCol="0" anchor="ctr"/>
-            <a:lstStyle/>
-            <a:p>
-              <a:pPr algn="ctr"/>
-              <a:endParaRPr lang="en-US"/>
-            </a:p>
-          </p:txBody>
-        </p:sp>
-      </p:grpSp>
+          <a:prstGeom prst="rect">
+            <a:avLst/>
+          </a:prstGeom>
+        </p:spPr>
+        <p:style>
+          <a:lnRef idx="2">
+            <a:schemeClr val="accent1">
+              <a:shade val="15000"/>
+            </a:schemeClr>
+          </a:lnRef>
+          <a:fillRef idx="1">
+            <a:schemeClr val="accent1"/>
+          </a:fillRef>
+          <a:effectRef idx="0">
+            <a:schemeClr val="accent1"/>
+          </a:effectRef>
+          <a:fontRef idx="minor">
+            <a:schemeClr val="lt1"/>
+          </a:fontRef>
+        </p:style>
+        <p:txBody>
+          <a:bodyPr rtlCol="0" anchor="ctr"/>
+          <a:lstStyle/>
+          <a:p>
+            <a:pPr algn="ctr"/>
+            <a:r>
+              <a:rPr lang="en-US" dirty="0"/>
+              <a:t>Desktop Client</a:t>
+            </a:r>
+          </a:p>
+          <a:p>
+            <a:pPr algn="ctr"/>
+            <a:r>
+              <a:rPr lang="en-US" dirty="0"/>
+              <a:t>(Java FX)</a:t>
+            </a:r>
+          </a:p>
+        </p:txBody>
+      </p:sp>
+      <p:sp>
+        <p:nvSpPr>
+          <p:cNvPr id="8" name="Rectangle 7">
+            <a:extLst>
+              <a:ext uri="{FF2B5EF4-FFF2-40B4-BE49-F238E27FC236}">
+                <a16:creationId xmlns:a16="http://schemas.microsoft.com/office/drawing/2014/main" id="{B6D54DEB-796A-994C-093E-9221ABFA0BB7}"/>
+              </a:ext>
+            </a:extLst>
+          </p:cNvPr>
+          <p:cNvSpPr/>
+          <p:nvPr/>
+        </p:nvSpPr>
+        <p:spPr>
+          <a:xfrm>
+            <a:off x="251927" y="2506873"/>
+            <a:ext cx="4062038" cy="3415756"/>
+          </a:xfrm>
+          <a:prstGeom prst="rect">
+            <a:avLst/>
+          </a:prstGeom>
+          <a:noFill/>
+        </p:spPr>
+        <p:style>
+          <a:lnRef idx="2">
+            <a:schemeClr val="accent1">
+              <a:shade val="15000"/>
+            </a:schemeClr>
+          </a:lnRef>
+          <a:fillRef idx="1">
+            <a:schemeClr val="accent1"/>
+          </a:fillRef>
+          <a:effectRef idx="0">
+            <a:schemeClr val="accent1"/>
+          </a:effectRef>
+          <a:fontRef idx="minor">
+            <a:schemeClr val="lt1"/>
+          </a:fontRef>
+        </p:style>
+        <p:txBody>
+          <a:bodyPr rtlCol="0" anchor="ctr"/>
+          <a:lstStyle/>
+          <a:p>
+            <a:pPr algn="ctr"/>
+            <a:endParaRPr lang="en-US"/>
+          </a:p>
+        </p:txBody>
+      </p:sp>
       <p:sp>
         <p:nvSpPr>
           <p:cNvPr id="9" name="TextBox 8">
@@ -3602,8 +3581,8 @@
         </p:nvSpPr>
         <p:spPr>
           <a:xfrm>
-            <a:off x="126092" y="2297669"/>
-            <a:ext cx="3564293" cy="369332"/>
+            <a:off x="367720" y="2506873"/>
+            <a:ext cx="3524772" cy="369332"/>
           </a:xfrm>
           <a:prstGeom prst="rect">
             <a:avLst/>
